--- a/Python3.pptx
+++ b/Python3.pptx
@@ -4366,7 +4366,7 @@
       </p:sp>
       <p:pic>
         <p:nvPicPr>
-          <p:cNvPr id="5" name="Content Placeholder 4"/>
+          <p:cNvPr id="4" name="Content Placeholder 3"/>
           <p:cNvPicPr>
             <a:picLocks noGrp="1" noChangeAspect="1"/>
           </p:cNvPicPr>
@@ -4388,8 +4388,8 @@
         </p:blipFill>
         <p:spPr>
           <a:xfrm>
-            <a:off x="3854161" y="1690688"/>
-            <a:ext cx="4977605" cy="4351338"/>
+            <a:off x="838200" y="2292843"/>
+            <a:ext cx="5181600" cy="3416902"/>
           </a:xfrm>
         </p:spPr>
       </p:pic>
